--- a/Documents/Eco Drive Final .pptx
+++ b/Documents/Eco Drive Final .pptx
@@ -263,6 +263,35 @@
     </p:ext>
   </p:extLst>
 </p:presentation>
+</file>
+
+<file path=ppt/changesInfos/changesInfo1.xml><?xml version="1.0" encoding="utf-8"?>
+<pc:chgInfo xmlns:a="http://schemas.openxmlformats.org/drawingml/2006/main" xmlns:r="http://schemas.openxmlformats.org/officeDocument/2006/relationships" xmlns:ac="http://schemas.microsoft.com/office/drawing/2013/main/command" xmlns:pc="http://schemas.microsoft.com/office/powerpoint/2013/main/command">
+  <pc:docChgLst>
+    <pc:chgData name="nithin g" userId="976c3a055402c68c" providerId="LiveId" clId="{732F32F5-83EE-405B-8AFB-2312D83C1C71}"/>
+    <pc:docChg chg="modSld">
+      <pc:chgData name="nithin g" userId="976c3a055402c68c" providerId="LiveId" clId="{732F32F5-83EE-405B-8AFB-2312D83C1C71}" dt="2025-01-20T09:51:15.152" v="76" actId="20577"/>
+      <pc:docMkLst>
+        <pc:docMk/>
+      </pc:docMkLst>
+      <pc:sldChg chg="modSp mod">
+        <pc:chgData name="nithin g" userId="976c3a055402c68c" providerId="LiveId" clId="{732F32F5-83EE-405B-8AFB-2312D83C1C71}" dt="2025-01-20T09:51:15.152" v="76" actId="20577"/>
+        <pc:sldMkLst>
+          <pc:docMk/>
+          <pc:sldMk cId="0" sldId="256"/>
+        </pc:sldMkLst>
+        <pc:spChg chg="mod">
+          <ac:chgData name="nithin g" userId="976c3a055402c68c" providerId="LiveId" clId="{732F32F5-83EE-405B-8AFB-2312D83C1C71}" dt="2025-01-20T09:51:15.152" v="76" actId="20577"/>
+          <ac:spMkLst>
+            <pc:docMk/>
+            <pc:sldMk cId="0" sldId="256"/>
+            <ac:spMk id="3" creationId="{B0F9948B-D884-658C-C6FB-72DAFCA9AFA5}"/>
+          </ac:spMkLst>
+        </pc:spChg>
+      </pc:sldChg>
+    </pc:docChg>
+  </pc:docChgLst>
+</pc:chgInfo>
 </file>
 
 <file path=ppt/notesMasters/notesMaster1.xml><?xml version="1.0" encoding="utf-8"?>
@@ -13270,6 +13299,30 @@
               </a:rPr>
               <a:t>Name of the Program: </a:t>
             </a:r>
+            <a:r>
+              <a:rPr lang="en-US" sz="1900" b="1" i="0" u="none" strike="noStrike" cap="none" dirty="0" err="1">
+                <a:solidFill>
+                  <a:schemeClr val="accent1"/>
+                </a:solidFill>
+                <a:latin typeface="Cambria" panose="02040503050406030204" pitchFamily="18" charset="0"/>
+                <a:ea typeface="Cambria" panose="02040503050406030204" pitchFamily="18" charset="0"/>
+                <a:cs typeface="Verdana"/>
+                <a:sym typeface="Verdana"/>
+              </a:rPr>
+              <a:t>B.Tech</a:t>
+            </a:r>
+            <a:r>
+              <a:rPr lang="en-US" sz="1900" b="1" i="0" u="none" strike="noStrike" cap="none" dirty="0">
+                <a:solidFill>
+                  <a:schemeClr val="accent1"/>
+                </a:solidFill>
+                <a:latin typeface="Cambria" panose="02040503050406030204" pitchFamily="18" charset="0"/>
+                <a:ea typeface="Cambria" panose="02040503050406030204" pitchFamily="18" charset="0"/>
+                <a:cs typeface="Verdana"/>
+                <a:sym typeface="Verdana"/>
+              </a:rPr>
+              <a:t> Computer Science and Technology</a:t>
+            </a:r>
           </a:p>
           <a:p>
             <a:pPr marL="0" marR="0" lvl="0" indent="0" rtl="0">
@@ -13320,8 +13373,29 @@
                 <a:cs typeface="Verdana"/>
                 <a:sym typeface="Verdana"/>
               </a:rPr>
-              <a:t>: </a:t>
-            </a:r>
+              <a:t>: Dr Saira Banu </a:t>
+            </a:r>
+            <a:r>
+              <a:rPr lang="en-US" sz="1900" b="1" dirty="0" err="1">
+                <a:solidFill>
+                  <a:schemeClr val="accent1"/>
+                </a:solidFill>
+                <a:latin typeface="Cambria" panose="02040503050406030204" pitchFamily="18" charset="0"/>
+                <a:ea typeface="Cambria" panose="02040503050406030204" pitchFamily="18" charset="0"/>
+                <a:cs typeface="Verdana"/>
+                <a:sym typeface="Verdana"/>
+              </a:rPr>
+              <a:t>Atham</a:t>
+            </a:r>
+            <a:endParaRPr lang="en-US" sz="1900" b="1" dirty="0">
+              <a:solidFill>
+                <a:schemeClr val="accent1"/>
+              </a:solidFill>
+              <a:latin typeface="Cambria" panose="02040503050406030204" pitchFamily="18" charset="0"/>
+              <a:ea typeface="Cambria" panose="02040503050406030204" pitchFamily="18" charset="0"/>
+              <a:cs typeface="Verdana"/>
+              <a:sym typeface="Verdana"/>
+            </a:endParaRPr>
           </a:p>
           <a:p>
             <a:pPr marL="0" marR="0" lvl="0" indent="0" rtl="0">
@@ -13349,6 +13423,30 @@
                 <a:sym typeface="Verdana"/>
               </a:rPr>
               <a:t>Name of the Program Project Coordinator: </a:t>
+            </a:r>
+            <a:r>
+              <a:rPr lang="en-US" sz="1900" b="1" i="0" u="none" strike="noStrike" cap="none">
+                <a:solidFill>
+                  <a:schemeClr val="accent1"/>
+                </a:solidFill>
+                <a:latin typeface="Cambria" panose="02040503050406030204" pitchFamily="18" charset="0"/>
+                <a:ea typeface="Cambria" panose="02040503050406030204" pitchFamily="18" charset="0"/>
+                <a:cs typeface="Verdana"/>
+                <a:sym typeface="Verdana"/>
+              </a:rPr>
+              <a:t>Dr Manjula </a:t>
+            </a:r>
+            <a:r>
+              <a:rPr lang="en-US" sz="1900" b="1" i="0" u="none" strike="noStrike" cap="none" dirty="0">
+                <a:solidFill>
+                  <a:schemeClr val="accent1"/>
+                </a:solidFill>
+                <a:latin typeface="Cambria" panose="02040503050406030204" pitchFamily="18" charset="0"/>
+                <a:ea typeface="Cambria" panose="02040503050406030204" pitchFamily="18" charset="0"/>
+                <a:cs typeface="Verdana"/>
+                <a:sym typeface="Verdana"/>
+              </a:rPr>
+              <a:t>H M</a:t>
             </a:r>
           </a:p>
           <a:p>
